--- a/docs/diagrams/UiComponentClassDiagram.pptx
+++ b/docs/diagrams/UiComponentClassDiagram.pptx
@@ -208,7 +208,7 @@
           <a:p>
             <a:fld id="{F5CC4B3F-88C1-4FFA-B1B6-F41C21DC6924}" type="datetimeFigureOut">
               <a:rPr lang="en-US" smtClean="0"/>
-              <a:t>1/7/2017</a:t>
+              <a:t>10/19/2017</a:t>
             </a:fld>
             <a:endParaRPr lang="en-US"/>
           </a:p>
@@ -654,7 +654,7 @@
           <a:p>
             <a:fld id="{78C97017-6FC3-485B-9764-EAC9E56C1D49}" type="datetimeFigureOut">
               <a:rPr lang="en-US" smtClean="0"/>
-              <a:t>1/7/2017</a:t>
+              <a:t>10/19/2017</a:t>
             </a:fld>
             <a:endParaRPr lang="en-US"/>
           </a:p>
@@ -822,7 +822,7 @@
           <a:p>
             <a:fld id="{78C97017-6FC3-485B-9764-EAC9E56C1D49}" type="datetimeFigureOut">
               <a:rPr lang="en-US" smtClean="0"/>
-              <a:t>1/7/2017</a:t>
+              <a:t>10/19/2017</a:t>
             </a:fld>
             <a:endParaRPr lang="en-US"/>
           </a:p>
@@ -1000,7 +1000,7 @@
           <a:p>
             <a:fld id="{78C97017-6FC3-485B-9764-EAC9E56C1D49}" type="datetimeFigureOut">
               <a:rPr lang="en-US" smtClean="0"/>
-              <a:t>1/7/2017</a:t>
+              <a:t>10/19/2017</a:t>
             </a:fld>
             <a:endParaRPr lang="en-US"/>
           </a:p>
@@ -1168,7 +1168,7 @@
           <a:p>
             <a:fld id="{78C97017-6FC3-485B-9764-EAC9E56C1D49}" type="datetimeFigureOut">
               <a:rPr lang="en-US" smtClean="0"/>
-              <a:t>1/7/2017</a:t>
+              <a:t>10/19/2017</a:t>
             </a:fld>
             <a:endParaRPr lang="en-US"/>
           </a:p>
@@ -1413,7 +1413,7 @@
           <a:p>
             <a:fld id="{78C97017-6FC3-485B-9764-EAC9E56C1D49}" type="datetimeFigureOut">
               <a:rPr lang="en-US" smtClean="0"/>
-              <a:t>1/7/2017</a:t>
+              <a:t>10/19/2017</a:t>
             </a:fld>
             <a:endParaRPr lang="en-US"/>
           </a:p>
@@ -1698,7 +1698,7 @@
           <a:p>
             <a:fld id="{78C97017-6FC3-485B-9764-EAC9E56C1D49}" type="datetimeFigureOut">
               <a:rPr lang="en-US" smtClean="0"/>
-              <a:t>1/7/2017</a:t>
+              <a:t>10/19/2017</a:t>
             </a:fld>
             <a:endParaRPr lang="en-US"/>
           </a:p>
@@ -2117,7 +2117,7 @@
           <a:p>
             <a:fld id="{78C97017-6FC3-485B-9764-EAC9E56C1D49}" type="datetimeFigureOut">
               <a:rPr lang="en-US" smtClean="0"/>
-              <a:t>1/7/2017</a:t>
+              <a:t>10/19/2017</a:t>
             </a:fld>
             <a:endParaRPr lang="en-US"/>
           </a:p>
@@ -2234,7 +2234,7 @@
           <a:p>
             <a:fld id="{78C97017-6FC3-485B-9764-EAC9E56C1D49}" type="datetimeFigureOut">
               <a:rPr lang="en-US" smtClean="0"/>
-              <a:t>1/7/2017</a:t>
+              <a:t>10/19/2017</a:t>
             </a:fld>
             <a:endParaRPr lang="en-US"/>
           </a:p>
@@ -2329,7 +2329,7 @@
           <a:p>
             <a:fld id="{78C97017-6FC3-485B-9764-EAC9E56C1D49}" type="datetimeFigureOut">
               <a:rPr lang="en-US" smtClean="0"/>
-              <a:t>1/7/2017</a:t>
+              <a:t>10/19/2017</a:t>
             </a:fld>
             <a:endParaRPr lang="en-US"/>
           </a:p>
@@ -2604,7 +2604,7 @@
           <a:p>
             <a:fld id="{78C97017-6FC3-485B-9764-EAC9E56C1D49}" type="datetimeFigureOut">
               <a:rPr lang="en-US" smtClean="0"/>
-              <a:t>1/7/2017</a:t>
+              <a:t>10/19/2017</a:t>
             </a:fld>
             <a:endParaRPr lang="en-US"/>
           </a:p>
@@ -2856,7 +2856,7 @@
           <a:p>
             <a:fld id="{78C97017-6FC3-485B-9764-EAC9E56C1D49}" type="datetimeFigureOut">
               <a:rPr lang="en-US" smtClean="0"/>
-              <a:t>1/7/2017</a:t>
+              <a:t>10/19/2017</a:t>
             </a:fld>
             <a:endParaRPr lang="en-US"/>
           </a:p>
@@ -3067,7 +3067,7 @@
           <a:p>
             <a:fld id="{78C97017-6FC3-485B-9764-EAC9E56C1D49}" type="datetimeFigureOut">
               <a:rPr lang="en-US" smtClean="0"/>
-              <a:t>1/7/2017</a:t>
+              <a:t>10/19/2017</a:t>
             </a:fld>
             <a:endParaRPr lang="en-US"/>
           </a:p>
@@ -3825,8 +3825,8 @@
         </p:nvSpPr>
         <p:spPr>
           <a:xfrm rot="16200000">
-            <a:off x="5703829" y="2464877"/>
-            <a:ext cx="2362201" cy="328045"/>
+            <a:off x="6122929" y="2045776"/>
+            <a:ext cx="1524001" cy="328045"/>
           </a:xfrm>
           <a:prstGeom prst="roundRect">
             <a:avLst/>
@@ -4863,8 +4863,8 @@
         </p:nvSpPr>
         <p:spPr>
           <a:xfrm rot="16200000">
-            <a:off x="6213739" y="4560376"/>
-            <a:ext cx="1371599" cy="328045"/>
+            <a:off x="6308841" y="4655476"/>
+            <a:ext cx="1181397" cy="328045"/>
           </a:xfrm>
           <a:prstGeom prst="roundRect">
             <a:avLst/>
@@ -5509,6 +5509,104 @@
           </a:p>
         </p:txBody>
       </p:sp>
+      <p:sp>
+        <p:nvSpPr>
+          <p:cNvPr id="42" name="Rectangle 65"/>
+          <p:cNvSpPr/>
+          <p:nvPr/>
+        </p:nvSpPr>
+        <p:spPr>
+          <a:xfrm rot="16200000">
+            <a:off x="6369914" y="3416732"/>
+            <a:ext cx="1059251" cy="328045"/>
+          </a:xfrm>
+          <a:prstGeom prst="roundRect">
+            <a:avLst/>
+          </a:prstGeom>
+          <a:solidFill>
+            <a:schemeClr val="accent2">
+              <a:lumMod val="20000"/>
+              <a:lumOff val="80000"/>
+            </a:schemeClr>
+          </a:solidFill>
+          <a:ln w="19050">
+            <a:noFill/>
+          </a:ln>
+          <a:effectLst/>
+        </p:spPr>
+        <p:style>
+          <a:lnRef idx="1">
+            <a:schemeClr val="accent2"/>
+          </a:lnRef>
+          <a:fillRef idx="2">
+            <a:schemeClr val="accent2"/>
+          </a:fillRef>
+          <a:effectRef idx="1">
+            <a:schemeClr val="accent2"/>
+          </a:effectRef>
+          <a:fontRef idx="minor">
+            <a:schemeClr val="dk1"/>
+          </a:fontRef>
+        </p:style>
+        <p:txBody>
+          <a:bodyPr rtlCol="0" anchor="ctr"/>
+          <a:lstStyle/>
+          <a:p>
+            <a:pPr algn="ctr"/>
+            <a:r>
+              <a:rPr lang="en-US" sz="1100" b="1" dirty="0" smtClean="0">
+                <a:solidFill>
+                  <a:schemeClr val="bg1"/>
+                </a:solidFill>
+              </a:rPr>
+              <a:t>Storage</a:t>
+            </a:r>
+            <a:endParaRPr lang="en-SG" sz="1100" b="1" dirty="0">
+              <a:solidFill>
+                <a:schemeClr val="bg1"/>
+              </a:solidFill>
+            </a:endParaRPr>
+          </a:p>
+        </p:txBody>
+      </p:sp>
+      <p:cxnSp>
+        <p:nvCxnSpPr>
+          <p:cNvPr id="5" name="Elbow Connector 4"/>
+          <p:cNvCxnSpPr/>
+          <p:nvPr/>
+        </p:nvCxnSpPr>
+        <p:spPr>
+          <a:xfrm>
+            <a:off x="3186477" y="2687980"/>
+            <a:ext cx="3570517" cy="734749"/>
+          </a:xfrm>
+          <a:prstGeom prst="bentConnector3">
+            <a:avLst>
+              <a:gd name="adj1" fmla="val 73965"/>
+            </a:avLst>
+          </a:prstGeom>
+          <a:ln>
+            <a:solidFill>
+              <a:schemeClr val="accent3"/>
+            </a:solidFill>
+            <a:tailEnd type="triangle"/>
+          </a:ln>
+        </p:spPr>
+        <p:style>
+          <a:lnRef idx="1">
+            <a:schemeClr val="accent1"/>
+          </a:lnRef>
+          <a:fillRef idx="0">
+            <a:schemeClr val="accent1"/>
+          </a:fillRef>
+          <a:effectRef idx="0">
+            <a:schemeClr val="accent1"/>
+          </a:effectRef>
+          <a:fontRef idx="minor">
+            <a:schemeClr val="tx1"/>
+          </a:fontRef>
+        </p:style>
+      </p:cxnSp>
     </p:spTree>
     <p:extLst>
       <p:ext uri="{BB962C8B-B14F-4D97-AF65-F5344CB8AC3E}">

--- a/docs/diagrams/UiComponentClassDiagram.pptx
+++ b/docs/diagrams/UiComponentClassDiagram.pptx
@@ -126,6 +126,10 @@
 </p:presentation>
 </file>
 
+<file path=ppt/revisionInfo.xml><?xml version="1.0" encoding="utf-8"?>
+<p1510:revInfo xmlns:a="http://schemas.openxmlformats.org/drawingml/2006/main" xmlns:r="http://schemas.openxmlformats.org/officeDocument/2006/relationships" xmlns:p1510="http://schemas.microsoft.com/office/powerpoint/2015/10/main"/>
+</file>
+
 <file path=ppt/notesMasters/notesMaster1.xml><?xml version="1.0" encoding="utf-8"?>
 <p:notesMaster xmlns:a="http://schemas.openxmlformats.org/drawingml/2006/main" xmlns:r="http://schemas.openxmlformats.org/officeDocument/2006/relationships" xmlns:p="http://schemas.openxmlformats.org/presentationml/2006/main">
   <p:cSld>
@@ -208,7 +212,7 @@
           <a:p>
             <a:fld id="{F5CC4B3F-88C1-4FFA-B1B6-F41C21DC6924}" type="datetimeFigureOut">
               <a:rPr lang="en-US" smtClean="0"/>
-              <a:t>10/19/2017</a:t>
+              <a:t>11/13/2017</a:t>
             </a:fld>
             <a:endParaRPr lang="en-US"/>
           </a:p>
@@ -654,7 +658,7 @@
           <a:p>
             <a:fld id="{78C97017-6FC3-485B-9764-EAC9E56C1D49}" type="datetimeFigureOut">
               <a:rPr lang="en-US" smtClean="0"/>
-              <a:t>10/19/2017</a:t>
+              <a:t>11/13/2017</a:t>
             </a:fld>
             <a:endParaRPr lang="en-US"/>
           </a:p>
@@ -822,7 +826,7 @@
           <a:p>
             <a:fld id="{78C97017-6FC3-485B-9764-EAC9E56C1D49}" type="datetimeFigureOut">
               <a:rPr lang="en-US" smtClean="0"/>
-              <a:t>10/19/2017</a:t>
+              <a:t>11/13/2017</a:t>
             </a:fld>
             <a:endParaRPr lang="en-US"/>
           </a:p>
@@ -1000,7 +1004,7 @@
           <a:p>
             <a:fld id="{78C97017-6FC3-485B-9764-EAC9E56C1D49}" type="datetimeFigureOut">
               <a:rPr lang="en-US" smtClean="0"/>
-              <a:t>10/19/2017</a:t>
+              <a:t>11/13/2017</a:t>
             </a:fld>
             <a:endParaRPr lang="en-US"/>
           </a:p>
@@ -1168,7 +1172,7 @@
           <a:p>
             <a:fld id="{78C97017-6FC3-485B-9764-EAC9E56C1D49}" type="datetimeFigureOut">
               <a:rPr lang="en-US" smtClean="0"/>
-              <a:t>10/19/2017</a:t>
+              <a:t>11/13/2017</a:t>
             </a:fld>
             <a:endParaRPr lang="en-US"/>
           </a:p>
@@ -1413,7 +1417,7 @@
           <a:p>
             <a:fld id="{78C97017-6FC3-485B-9764-EAC9E56C1D49}" type="datetimeFigureOut">
               <a:rPr lang="en-US" smtClean="0"/>
-              <a:t>10/19/2017</a:t>
+              <a:t>11/13/2017</a:t>
             </a:fld>
             <a:endParaRPr lang="en-US"/>
           </a:p>
@@ -1698,7 +1702,7 @@
           <a:p>
             <a:fld id="{78C97017-6FC3-485B-9764-EAC9E56C1D49}" type="datetimeFigureOut">
               <a:rPr lang="en-US" smtClean="0"/>
-              <a:t>10/19/2017</a:t>
+              <a:t>11/13/2017</a:t>
             </a:fld>
             <a:endParaRPr lang="en-US"/>
           </a:p>
@@ -2117,7 +2121,7 @@
           <a:p>
             <a:fld id="{78C97017-6FC3-485B-9764-EAC9E56C1D49}" type="datetimeFigureOut">
               <a:rPr lang="en-US" smtClean="0"/>
-              <a:t>10/19/2017</a:t>
+              <a:t>11/13/2017</a:t>
             </a:fld>
             <a:endParaRPr lang="en-US"/>
           </a:p>
@@ -2234,7 +2238,7 @@
           <a:p>
             <a:fld id="{78C97017-6FC3-485B-9764-EAC9E56C1D49}" type="datetimeFigureOut">
               <a:rPr lang="en-US" smtClean="0"/>
-              <a:t>10/19/2017</a:t>
+              <a:t>11/13/2017</a:t>
             </a:fld>
             <a:endParaRPr lang="en-US"/>
           </a:p>
@@ -2329,7 +2333,7 @@
           <a:p>
             <a:fld id="{78C97017-6FC3-485B-9764-EAC9E56C1D49}" type="datetimeFigureOut">
               <a:rPr lang="en-US" smtClean="0"/>
-              <a:t>10/19/2017</a:t>
+              <a:t>11/13/2017</a:t>
             </a:fld>
             <a:endParaRPr lang="en-US"/>
           </a:p>
@@ -2604,7 +2608,7 @@
           <a:p>
             <a:fld id="{78C97017-6FC3-485B-9764-EAC9E56C1D49}" type="datetimeFigureOut">
               <a:rPr lang="en-US" smtClean="0"/>
-              <a:t>10/19/2017</a:t>
+              <a:t>11/13/2017</a:t>
             </a:fld>
             <a:endParaRPr lang="en-US"/>
           </a:p>
@@ -2856,7 +2860,7 @@
           <a:p>
             <a:fld id="{78C97017-6FC3-485B-9764-EAC9E56C1D49}" type="datetimeFigureOut">
               <a:rPr lang="en-US" smtClean="0"/>
-              <a:t>10/19/2017</a:t>
+              <a:t>11/13/2017</a:t>
             </a:fld>
             <a:endParaRPr lang="en-US"/>
           </a:p>
@@ -3067,7 +3071,7 @@
           <a:p>
             <a:fld id="{78C97017-6FC3-485B-9764-EAC9E56C1D49}" type="datetimeFigureOut">
               <a:rPr lang="en-US" smtClean="0"/>
-              <a:t>10/19/2017</a:t>
+              <a:t>11/13/2017</a:t>
             </a:fld>
             <a:endParaRPr lang="en-US"/>
           </a:p>
@@ -3450,8 +3454,8 @@
         </p:nvSpPr>
         <p:spPr>
           <a:xfrm>
-            <a:off x="1217465" y="1447800"/>
-            <a:ext cx="4917083" cy="3962400"/>
+            <a:off x="1219200" y="609599"/>
+            <a:ext cx="4917083" cy="4648200"/>
           </a:xfrm>
           <a:prstGeom prst="roundRect">
             <a:avLst>
@@ -3512,7 +3516,7 @@
         </p:nvSpPr>
         <p:spPr>
           <a:xfrm>
-            <a:off x="2095948" y="2341220"/>
+            <a:off x="2097683" y="1503020"/>
             <a:ext cx="1093635" cy="346760"/>
           </a:xfrm>
           <a:prstGeom prst="rect">
@@ -3572,7 +3576,7 @@
         </p:nvSpPr>
         <p:spPr>
           <a:xfrm>
-            <a:off x="2592528" y="2971800"/>
+            <a:off x="2594263" y="2133600"/>
             <a:ext cx="1093635" cy="236841"/>
           </a:xfrm>
           <a:prstGeom prst="rect">
@@ -3632,7 +3636,7 @@
         </p:nvSpPr>
         <p:spPr>
           <a:xfrm>
-            <a:off x="2092842" y="1770924"/>
+            <a:off x="2094577" y="932724"/>
             <a:ext cx="1093635" cy="346760"/>
           </a:xfrm>
           <a:prstGeom prst="rect">
@@ -3694,7 +3698,7 @@
         </p:nvCxnSpPr>
         <p:spPr>
           <a:xfrm rot="16200000" flipH="1">
-            <a:off x="2529445" y="2227899"/>
+            <a:off x="2531180" y="1389699"/>
             <a:ext cx="223536" cy="3106"/>
           </a:xfrm>
           <a:prstGeom prst="bentConnector3">
@@ -3734,7 +3738,7 @@
         </p:nvSpPr>
         <p:spPr>
           <a:xfrm rot="10800000" flipV="1">
-            <a:off x="5394717" y="2110477"/>
+            <a:off x="5396452" y="1272277"/>
             <a:ext cx="270504" cy="175523"/>
           </a:xfrm>
           <a:prstGeom prst="triangle">
@@ -3782,7 +3786,7 @@
         </p:nvCxnSpPr>
         <p:spPr>
           <a:xfrm flipV="1">
-            <a:off x="644735" y="2991937"/>
+            <a:off x="646470" y="2153737"/>
             <a:ext cx="684904" cy="1"/>
           </a:xfrm>
           <a:prstGeom prst="bentConnector3">
@@ -3825,7 +3829,7 @@
         </p:nvSpPr>
         <p:spPr>
           <a:xfrm rot="16200000">
-            <a:off x="6122929" y="2045776"/>
+            <a:off x="6124664" y="1207576"/>
             <a:ext cx="1524001" cy="328045"/>
           </a:xfrm>
           <a:prstGeom prst="roundRect">
@@ -3885,7 +3889,7 @@
         </p:nvSpPr>
         <p:spPr>
           <a:xfrm>
-            <a:off x="2592528" y="3649359"/>
+            <a:off x="2594263" y="2811159"/>
             <a:ext cx="1093635" cy="236841"/>
           </a:xfrm>
           <a:prstGeom prst="rect">
@@ -3945,7 +3949,7 @@
         </p:nvSpPr>
         <p:spPr>
           <a:xfrm>
-            <a:off x="2592527" y="4563759"/>
+            <a:off x="2605746" y="3908324"/>
             <a:ext cx="1093635" cy="236841"/>
           </a:xfrm>
           <a:prstGeom prst="rect">
@@ -4005,7 +4009,7 @@
         </p:nvSpPr>
         <p:spPr>
           <a:xfrm>
-            <a:off x="2592526" y="3991960"/>
+            <a:off x="2589513" y="3090729"/>
             <a:ext cx="1093635" cy="236841"/>
           </a:xfrm>
           <a:prstGeom prst="rect">
@@ -4065,7 +4069,7 @@
         </p:nvSpPr>
         <p:spPr>
           <a:xfrm>
-            <a:off x="3839323" y="4228801"/>
+            <a:off x="3841058" y="3270120"/>
             <a:ext cx="1040906" cy="236841"/>
           </a:xfrm>
           <a:prstGeom prst="rect">
@@ -4125,7 +4129,7 @@
         </p:nvSpPr>
         <p:spPr>
           <a:xfrm>
-            <a:off x="2592528" y="4966000"/>
+            <a:off x="2568867" y="4877957"/>
             <a:ext cx="1093635" cy="236841"/>
           </a:xfrm>
           <a:prstGeom prst="rect">
@@ -4185,7 +4189,7 @@
         </p:nvSpPr>
         <p:spPr>
           <a:xfrm>
-            <a:off x="2324548" y="2706452"/>
+            <a:off x="2326283" y="1868252"/>
             <a:ext cx="183156" cy="161573"/>
           </a:xfrm>
           <a:prstGeom prst="flowChartDecision">
@@ -4236,7 +4240,7 @@
         </p:nvCxnSpPr>
         <p:spPr>
           <a:xfrm rot="16200000" flipH="1">
-            <a:off x="2393229" y="2890922"/>
+            <a:off x="2394964" y="2052722"/>
             <a:ext cx="222196" cy="176402"/>
           </a:xfrm>
           <a:prstGeom prst="bentConnector2">
@@ -4274,7 +4278,7 @@
         </p:nvSpPr>
         <p:spPr>
           <a:xfrm>
-            <a:off x="2590799" y="3304308"/>
+            <a:off x="2592534" y="2466108"/>
             <a:ext cx="1095361" cy="236841"/>
           </a:xfrm>
           <a:prstGeom prst="rect">
@@ -4337,7 +4341,7 @@
         </p:nvCxnSpPr>
         <p:spPr>
           <a:xfrm rot="16200000" flipH="1">
-            <a:off x="2054450" y="3229701"/>
+            <a:off x="2056185" y="2391501"/>
             <a:ext cx="899755" cy="176402"/>
           </a:xfrm>
           <a:prstGeom prst="bentConnector2">
@@ -4378,8 +4382,8 @@
         </p:nvCxnSpPr>
         <p:spPr>
           <a:xfrm rot="16200000" flipH="1">
-            <a:off x="1883148" y="3401003"/>
-            <a:ext cx="1242356" cy="176400"/>
+            <a:off x="1914025" y="2533661"/>
+            <a:ext cx="1179325" cy="171652"/>
           </a:xfrm>
           <a:prstGeom prst="bentConnector2">
             <a:avLst/>
@@ -4419,8 +4423,8 @@
         </p:nvCxnSpPr>
         <p:spPr>
           <a:xfrm rot="16200000" flipH="1">
-            <a:off x="1597249" y="3686901"/>
-            <a:ext cx="1814155" cy="176401"/>
+            <a:off x="1513343" y="2934342"/>
+            <a:ext cx="1996920" cy="187885"/>
           </a:xfrm>
           <a:prstGeom prst="bentConnector2">
             <a:avLst/>
@@ -4453,14 +4457,15 @@
         <p:nvCxnSpPr>
           <p:cNvPr id="53" name="Elbow Connector 63"/>
           <p:cNvCxnSpPr>
+            <a:cxnSpLocks/>
             <a:endCxn id="38" idx="1"/>
           </p:cNvCxnSpPr>
           <p:nvPr/>
         </p:nvCxnSpPr>
         <p:spPr>
           <a:xfrm rot="16200000" flipH="1">
-            <a:off x="1184119" y="3676012"/>
-            <a:ext cx="2396440" cy="420377"/>
+            <a:off x="803974" y="3231484"/>
+            <a:ext cx="3150819" cy="378967"/>
           </a:xfrm>
           <a:prstGeom prst="bentConnector2">
             <a:avLst/>
@@ -4497,7 +4502,7 @@
         </p:nvSpPr>
         <p:spPr>
           <a:xfrm>
-            <a:off x="5143948" y="1770924"/>
+            <a:off x="5145683" y="932724"/>
             <a:ext cx="772043" cy="346760"/>
           </a:xfrm>
           <a:prstGeom prst="rect">
@@ -4579,7 +4584,7 @@
         </p:nvCxnSpPr>
         <p:spPr>
           <a:xfrm flipV="1">
-            <a:off x="3686160" y="2286000"/>
+            <a:off x="3687895" y="1447800"/>
             <a:ext cx="1843809" cy="1136729"/>
           </a:xfrm>
           <a:prstGeom prst="bentConnector2">
@@ -4620,8 +4625,8 @@
         </p:nvCxnSpPr>
         <p:spPr>
           <a:xfrm rot="5400000">
-            <a:off x="4174488" y="2991741"/>
-            <a:ext cx="2061222" cy="649740"/>
+            <a:off x="4236464" y="2093300"/>
+            <a:ext cx="1940741" cy="649740"/>
           </a:xfrm>
           <a:prstGeom prst="bentConnector2">
             <a:avLst/>
@@ -4661,7 +4666,7 @@
         </p:nvCxnSpPr>
         <p:spPr>
           <a:xfrm rot="5400000">
-            <a:off x="3867176" y="2104987"/>
+            <a:off x="3868911" y="1266787"/>
             <a:ext cx="1481780" cy="1843806"/>
           </a:xfrm>
           <a:prstGeom prst="bentConnector2">
@@ -4702,7 +4707,7 @@
         </p:nvCxnSpPr>
         <p:spPr>
           <a:xfrm flipV="1">
-            <a:off x="3189583" y="2286000"/>
+            <a:off x="3191318" y="1447800"/>
             <a:ext cx="2340386" cy="228600"/>
           </a:xfrm>
           <a:prstGeom prst="bentConnector2">
@@ -4743,8 +4748,8 @@
         </p:nvCxnSpPr>
         <p:spPr>
           <a:xfrm rot="5400000">
-            <a:off x="3409976" y="2562187"/>
-            <a:ext cx="2396180" cy="1843807"/>
+            <a:off x="3326071" y="1821111"/>
+            <a:ext cx="2578945" cy="1832323"/>
           </a:xfrm>
           <a:prstGeom prst="bentConnector2">
             <a:avLst/>
@@ -4784,8 +4789,8 @@
         </p:nvCxnSpPr>
         <p:spPr>
           <a:xfrm rot="5400000">
-            <a:off x="3208856" y="2763307"/>
-            <a:ext cx="2798421" cy="1843806"/>
+            <a:off x="2822814" y="2287488"/>
+            <a:ext cx="3548578" cy="1869202"/>
           </a:xfrm>
           <a:prstGeom prst="bentConnector2">
             <a:avLst/>
@@ -4824,7 +4829,7 @@
         </p:nvCxnSpPr>
         <p:spPr>
           <a:xfrm rot="5400000" flipH="1" flipV="1">
-            <a:off x="4594921" y="-355061"/>
+            <a:off x="4596656" y="-1193261"/>
             <a:ext cx="170724" cy="4081246"/>
           </a:xfrm>
           <a:prstGeom prst="bentConnector2">
@@ -4863,7 +4868,7 @@
         </p:nvSpPr>
         <p:spPr>
           <a:xfrm rot="16200000">
-            <a:off x="6308841" y="4655476"/>
+            <a:off x="6310576" y="3817276"/>
             <a:ext cx="1181397" cy="328045"/>
           </a:xfrm>
           <a:prstGeom prst="roundRect">
@@ -4923,7 +4928,7 @@
         </p:nvSpPr>
         <p:spPr>
           <a:xfrm rot="16200000">
-            <a:off x="956202" y="2861202"/>
+            <a:off x="957937" y="2023002"/>
             <a:ext cx="1093635" cy="346760"/>
           </a:xfrm>
           <a:prstGeom prst="rect">
@@ -4993,7 +4998,7 @@
         </p:nvSpPr>
         <p:spPr>
           <a:xfrm flipV="1">
-            <a:off x="1367767" y="2286001"/>
+            <a:off x="1369502" y="1447801"/>
             <a:ext cx="270504" cy="175523"/>
           </a:xfrm>
           <a:prstGeom prst="triangle">
@@ -5044,7 +5049,7 @@
         </p:nvCxnSpPr>
         <p:spPr>
           <a:xfrm rot="10800000" flipV="1">
-            <a:off x="1503020" y="1944303"/>
+            <a:off x="1504755" y="1106103"/>
             <a:ext cx="589823" cy="341697"/>
           </a:xfrm>
           <a:prstGeom prst="bentConnector2">
@@ -5086,7 +5091,7 @@
         </p:nvCxnSpPr>
         <p:spPr>
           <a:xfrm rot="16200000" flipH="1">
-            <a:off x="2226110" y="3058040"/>
+            <a:off x="2227845" y="2219840"/>
             <a:ext cx="554704" cy="174673"/>
           </a:xfrm>
           <a:prstGeom prst="bentConnector2">
@@ -5127,7 +5132,7 @@
         </p:nvCxnSpPr>
         <p:spPr>
           <a:xfrm rot="5400000">
-            <a:off x="4205956" y="1766207"/>
+            <a:off x="4207691" y="928007"/>
             <a:ext cx="804221" cy="1843806"/>
           </a:xfrm>
           <a:prstGeom prst="bentConnector2">
@@ -5168,8 +5173,8 @@
         </p:nvCxnSpPr>
         <p:spPr>
           <a:xfrm rot="16200000" flipH="1">
-            <a:off x="3430123" y="3938021"/>
-            <a:ext cx="118421" cy="699979"/>
+            <a:off x="3458209" y="3005691"/>
+            <a:ext cx="60971" cy="704727"/>
           </a:xfrm>
           <a:prstGeom prst="bentConnector2">
             <a:avLst/>
@@ -5209,8 +5214,8 @@
         </p:nvCxnSpPr>
         <p:spPr>
           <a:xfrm rot="5400000">
-            <a:off x="3695875" y="2276286"/>
-            <a:ext cx="1824381" cy="1843808"/>
+            <a:off x="3726751" y="1404197"/>
+            <a:ext cx="1761350" cy="1848556"/>
           </a:xfrm>
           <a:prstGeom prst="bentConnector2">
             <a:avLst/>
@@ -5247,7 +5252,7 @@
         </p:nvSpPr>
         <p:spPr>
           <a:xfrm>
-            <a:off x="5435896" y="2743200"/>
+            <a:off x="5437631" y="1905000"/>
             <a:ext cx="229325" cy="166560"/>
           </a:xfrm>
           <a:prstGeom prst="rect">
@@ -5300,7 +5305,7 @@
         </p:nvSpPr>
         <p:spPr>
           <a:xfrm>
-            <a:off x="3687515" y="2828802"/>
+            <a:off x="3689250" y="1990602"/>
             <a:ext cx="3048000" cy="203200"/>
           </a:xfrm>
           <a:custGeom>
@@ -5382,7 +5387,7 @@
         </p:nvSpPr>
         <p:spPr>
           <a:xfrm>
-            <a:off x="5431573" y="4488138"/>
+            <a:off x="5433308" y="3649938"/>
             <a:ext cx="229325" cy="160062"/>
           </a:xfrm>
           <a:prstGeom prst="rect">
@@ -5435,7 +5440,7 @@
         </p:nvSpPr>
         <p:spPr>
           <a:xfrm flipV="1">
-            <a:off x="4114799" y="4472708"/>
+            <a:off x="4116534" y="3517479"/>
             <a:ext cx="2642195" cy="101600"/>
           </a:xfrm>
           <a:custGeom>
@@ -5517,7 +5522,7 @@
         </p:nvSpPr>
         <p:spPr>
           <a:xfrm rot="16200000">
-            <a:off x="6369914" y="3416732"/>
+            <a:off x="6371649" y="2578532"/>
             <a:ext cx="1059251" cy="328045"/>
           </a:xfrm>
           <a:prstGeom prst="roundRect">
@@ -5554,7 +5559,7 @@
           <a:p>
             <a:pPr algn="ctr"/>
             <a:r>
-              <a:rPr lang="en-US" sz="1100" b="1" dirty="0" smtClean="0">
+              <a:rPr lang="en-US" sz="1100" b="1" dirty="0">
                 <a:solidFill>
                   <a:schemeClr val="bg1"/>
                 </a:solidFill>
@@ -5577,7 +5582,7 @@
         </p:nvCxnSpPr>
         <p:spPr>
           <a:xfrm>
-            <a:off x="3186477" y="2687980"/>
+            <a:off x="3188212" y="1849780"/>
             <a:ext cx="3570517" cy="734749"/>
           </a:xfrm>
           <a:prstGeom prst="bentConnector3">
@@ -5604,6 +5609,870 @@
           </a:effectRef>
           <a:fontRef idx="minor">
             <a:schemeClr val="tx1"/>
+          </a:fontRef>
+        </p:style>
+      </p:cxnSp>
+      <p:sp>
+        <p:nvSpPr>
+          <p:cNvPr id="46" name="Rectangle 11">
+            <a:extLst>
+              <a:ext uri="{FF2B5EF4-FFF2-40B4-BE49-F238E27FC236}">
+                <a16:creationId xmlns:a16="http://schemas.microsoft.com/office/drawing/2014/main" id="{37F46D36-AE3F-4DEF-86EC-54BD9B94E7AA}"/>
+              </a:ext>
+            </a:extLst>
+          </p:cNvPr>
+          <p:cNvSpPr/>
+          <p:nvPr/>
+        </p:nvSpPr>
+        <p:spPr>
+          <a:xfrm>
+            <a:off x="2599527" y="4254930"/>
+            <a:ext cx="1093635" cy="236841"/>
+          </a:xfrm>
+          <a:prstGeom prst="rect">
+            <a:avLst/>
+          </a:prstGeom>
+          <a:ln w="19050">
+            <a:solidFill>
+              <a:schemeClr val="accent3"/>
+            </a:solidFill>
+          </a:ln>
+          <a:effectLst/>
+        </p:spPr>
+        <p:style>
+          <a:lnRef idx="1">
+            <a:schemeClr val="accent3"/>
+          </a:lnRef>
+          <a:fillRef idx="2">
+            <a:schemeClr val="accent3"/>
+          </a:fillRef>
+          <a:effectRef idx="1">
+            <a:schemeClr val="accent3"/>
+          </a:effectRef>
+          <a:fontRef idx="minor">
+            <a:schemeClr val="dk1"/>
+          </a:fontRef>
+        </p:style>
+        <p:txBody>
+          <a:bodyPr rtlCol="0" anchor="ctr"/>
+          <a:lstStyle/>
+          <a:p>
+            <a:pPr algn="ctr"/>
+            <a:r>
+              <a:rPr lang="en-US" sz="900" b="1" dirty="0" err="1">
+                <a:solidFill>
+                  <a:schemeClr val="accent3">
+                    <a:lumMod val="75000"/>
+                  </a:schemeClr>
+                </a:solidFill>
+              </a:rPr>
+              <a:t>ViewPersonPanel</a:t>
+            </a:r>
+            <a:endParaRPr lang="en-SG" sz="900" b="1" dirty="0">
+              <a:solidFill>
+                <a:schemeClr val="accent3">
+                  <a:lumMod val="75000"/>
+                </a:schemeClr>
+              </a:solidFill>
+            </a:endParaRPr>
+          </a:p>
+        </p:txBody>
+      </p:sp>
+      <p:sp>
+        <p:nvSpPr>
+          <p:cNvPr id="48" name="Rectangle 11">
+            <a:extLst>
+              <a:ext uri="{FF2B5EF4-FFF2-40B4-BE49-F238E27FC236}">
+                <a16:creationId xmlns:a16="http://schemas.microsoft.com/office/drawing/2014/main" id="{BA153A2B-3AD5-4DEC-8FEC-B29B86C737F0}"/>
+              </a:ext>
+            </a:extLst>
+          </p:cNvPr>
+          <p:cNvSpPr/>
+          <p:nvPr/>
+        </p:nvSpPr>
+        <p:spPr>
+          <a:xfrm>
+            <a:off x="2604959" y="4566443"/>
+            <a:ext cx="1093635" cy="236841"/>
+          </a:xfrm>
+          <a:prstGeom prst="rect">
+            <a:avLst/>
+          </a:prstGeom>
+          <a:ln w="19050">
+            <a:solidFill>
+              <a:schemeClr val="accent3"/>
+            </a:solidFill>
+          </a:ln>
+          <a:effectLst/>
+        </p:spPr>
+        <p:style>
+          <a:lnRef idx="1">
+            <a:schemeClr val="accent3"/>
+          </a:lnRef>
+          <a:fillRef idx="2">
+            <a:schemeClr val="accent3"/>
+          </a:fillRef>
+          <a:effectRef idx="1">
+            <a:schemeClr val="accent3"/>
+          </a:effectRef>
+          <a:fontRef idx="minor">
+            <a:schemeClr val="dk1"/>
+          </a:fontRef>
+        </p:style>
+        <p:txBody>
+          <a:bodyPr rtlCol="0" anchor="ctr"/>
+          <a:lstStyle/>
+          <a:p>
+            <a:pPr algn="ctr"/>
+            <a:r>
+              <a:rPr lang="en-US" sz="1050" b="1" dirty="0" err="1">
+                <a:solidFill>
+                  <a:schemeClr val="accent3">
+                    <a:lumMod val="75000"/>
+                  </a:schemeClr>
+                </a:solidFill>
+              </a:rPr>
+              <a:t>ViewTaskPanel</a:t>
+            </a:r>
+            <a:endParaRPr lang="en-SG" sz="1050" b="1" dirty="0">
+              <a:solidFill>
+                <a:schemeClr val="accent3">
+                  <a:lumMod val="75000"/>
+                </a:schemeClr>
+              </a:solidFill>
+            </a:endParaRPr>
+          </a:p>
+        </p:txBody>
+      </p:sp>
+      <p:cxnSp>
+        <p:nvCxnSpPr>
+          <p:cNvPr id="49" name="Elbow Connector 63">
+            <a:extLst>
+              <a:ext uri="{FF2B5EF4-FFF2-40B4-BE49-F238E27FC236}">
+                <a16:creationId xmlns:a16="http://schemas.microsoft.com/office/drawing/2014/main" id="{32359BF7-0482-475B-BE3D-3F41484708BB}"/>
+              </a:ext>
+            </a:extLst>
+          </p:cNvPr>
+          <p:cNvCxnSpPr>
+            <a:cxnSpLocks/>
+            <a:stCxn id="16" idx="3"/>
+            <a:endCxn id="46" idx="3"/>
+          </p:cNvCxnSpPr>
+          <p:nvPr/>
+        </p:nvCxnSpPr>
+        <p:spPr>
+          <a:xfrm rot="5400000">
+            <a:off x="3149658" y="1991304"/>
+            <a:ext cx="2925551" cy="1838542"/>
+          </a:xfrm>
+          <a:prstGeom prst="bentConnector2">
+            <a:avLst/>
+          </a:prstGeom>
+          <a:ln w="6350">
+            <a:solidFill>
+              <a:schemeClr val="accent3"/>
+            </a:solidFill>
+            <a:headEnd type="none" w="med" len="med"/>
+            <a:tailEnd type="none" w="med" len="med"/>
+          </a:ln>
+          <a:effectLst/>
+        </p:spPr>
+        <p:style>
+          <a:lnRef idx="1">
+            <a:schemeClr val="accent2"/>
+          </a:lnRef>
+          <a:fillRef idx="2">
+            <a:schemeClr val="accent2"/>
+          </a:fillRef>
+          <a:effectRef idx="1">
+            <a:schemeClr val="accent2"/>
+          </a:effectRef>
+          <a:fontRef idx="minor">
+            <a:schemeClr val="dk1"/>
+          </a:fontRef>
+        </p:style>
+      </p:cxnSp>
+      <p:cxnSp>
+        <p:nvCxnSpPr>
+          <p:cNvPr id="51" name="Elbow Connector 63">
+            <a:extLst>
+              <a:ext uri="{FF2B5EF4-FFF2-40B4-BE49-F238E27FC236}">
+                <a16:creationId xmlns:a16="http://schemas.microsoft.com/office/drawing/2014/main" id="{BB8CA4AE-EF85-49A2-BAAC-A04547C07592}"/>
+              </a:ext>
+            </a:extLst>
+          </p:cNvPr>
+          <p:cNvCxnSpPr>
+            <a:cxnSpLocks/>
+            <a:stCxn id="16" idx="3"/>
+            <a:endCxn id="48" idx="3"/>
+          </p:cNvCxnSpPr>
+          <p:nvPr/>
+        </p:nvCxnSpPr>
+        <p:spPr>
+          <a:xfrm rot="5400000">
+            <a:off x="2996617" y="2149777"/>
+            <a:ext cx="3237064" cy="1833110"/>
+          </a:xfrm>
+          <a:prstGeom prst="bentConnector2">
+            <a:avLst/>
+          </a:prstGeom>
+          <a:ln w="6350">
+            <a:solidFill>
+              <a:schemeClr val="accent3"/>
+            </a:solidFill>
+            <a:headEnd type="none" w="med" len="med"/>
+            <a:tailEnd type="none" w="med" len="med"/>
+          </a:ln>
+          <a:effectLst/>
+        </p:spPr>
+        <p:style>
+          <a:lnRef idx="1">
+            <a:schemeClr val="accent2"/>
+          </a:lnRef>
+          <a:fillRef idx="2">
+            <a:schemeClr val="accent2"/>
+          </a:fillRef>
+          <a:effectRef idx="1">
+            <a:schemeClr val="accent2"/>
+          </a:effectRef>
+          <a:fontRef idx="minor">
+            <a:schemeClr val="dk1"/>
+          </a:fontRef>
+        </p:style>
+      </p:cxnSp>
+      <p:sp>
+        <p:nvSpPr>
+          <p:cNvPr id="54" name="Freeform 117">
+            <a:extLst>
+              <a:ext uri="{FF2B5EF4-FFF2-40B4-BE49-F238E27FC236}">
+                <a16:creationId xmlns:a16="http://schemas.microsoft.com/office/drawing/2014/main" id="{44AE94C1-9E9E-440B-9EB5-0969E948ABA0}"/>
+              </a:ext>
+            </a:extLst>
+          </p:cNvPr>
+          <p:cNvSpPr/>
+          <p:nvPr/>
+        </p:nvSpPr>
+        <p:spPr>
+          <a:xfrm flipV="1">
+            <a:off x="3714801" y="4057605"/>
+            <a:ext cx="3016413" cy="69866"/>
+          </a:xfrm>
+          <a:custGeom>
+            <a:avLst/>
+            <a:gdLst>
+              <a:gd name="connsiteX0" fmla="*/ 0 w 3048000"/>
+              <a:gd name="connsiteY0" fmla="*/ 203200 h 203200"/>
+              <a:gd name="connsiteX1" fmla="*/ 221673 w 3048000"/>
+              <a:gd name="connsiteY1" fmla="*/ 0 h 203200"/>
+              <a:gd name="connsiteX2" fmla="*/ 3048000 w 3048000"/>
+              <a:gd name="connsiteY2" fmla="*/ 0 h 203200"/>
+            </a:gdLst>
+            <a:ahLst/>
+            <a:cxnLst>
+              <a:cxn ang="0">
+                <a:pos x="connsiteX0" y="connsiteY0"/>
+              </a:cxn>
+              <a:cxn ang="0">
+                <a:pos x="connsiteX1" y="connsiteY1"/>
+              </a:cxn>
+              <a:cxn ang="0">
+                <a:pos x="connsiteX2" y="connsiteY2"/>
+              </a:cxn>
+            </a:cxnLst>
+            <a:rect l="l" t="t" r="r" b="b"/>
+            <a:pathLst>
+              <a:path w="3048000" h="203200">
+                <a:moveTo>
+                  <a:pt x="0" y="203200"/>
+                </a:moveTo>
+                <a:lnTo>
+                  <a:pt x="221673" y="0"/>
+                </a:lnTo>
+                <a:lnTo>
+                  <a:pt x="3048000" y="0"/>
+                </a:lnTo>
+              </a:path>
+            </a:pathLst>
+          </a:custGeom>
+          <a:noFill/>
+          <a:ln w="19050">
+            <a:solidFill>
+              <a:schemeClr val="accent3"/>
+            </a:solidFill>
+            <a:prstDash val="sysDot"/>
+            <a:headEnd type="none" w="med" len="med"/>
+            <a:tailEnd type="arrow" w="med" len="med"/>
+          </a:ln>
+          <a:effectLst/>
+        </p:spPr>
+        <p:style>
+          <a:lnRef idx="1">
+            <a:schemeClr val="accent2"/>
+          </a:lnRef>
+          <a:fillRef idx="2">
+            <a:schemeClr val="accent2"/>
+          </a:fillRef>
+          <a:effectRef idx="1">
+            <a:schemeClr val="accent2"/>
+          </a:effectRef>
+          <a:fontRef idx="minor">
+            <a:schemeClr val="dk1"/>
+          </a:fontRef>
+        </p:style>
+        <p:txBody>
+          <a:bodyPr rtlCol="0" anchor="ctr"/>
+          <a:lstStyle/>
+          <a:p>
+            <a:pPr algn="ctr"/>
+            <a:endParaRPr lang="en-SG"/>
+          </a:p>
+        </p:txBody>
+      </p:sp>
+      <p:sp>
+        <p:nvSpPr>
+          <p:cNvPr id="55" name="Freeform 117">
+            <a:extLst>
+              <a:ext uri="{FF2B5EF4-FFF2-40B4-BE49-F238E27FC236}">
+                <a16:creationId xmlns:a16="http://schemas.microsoft.com/office/drawing/2014/main" id="{F1C6B0D6-72C4-4B4D-BAC3-F4EC2F16C96C}"/>
+              </a:ext>
+            </a:extLst>
+          </p:cNvPr>
+          <p:cNvSpPr/>
+          <p:nvPr/>
+        </p:nvSpPr>
+        <p:spPr>
+          <a:xfrm>
+            <a:off x="3703858" y="4315059"/>
+            <a:ext cx="3054871" cy="313664"/>
+          </a:xfrm>
+          <a:custGeom>
+            <a:avLst/>
+            <a:gdLst>
+              <a:gd name="connsiteX0" fmla="*/ 0 w 3048000"/>
+              <a:gd name="connsiteY0" fmla="*/ 203200 h 203200"/>
+              <a:gd name="connsiteX1" fmla="*/ 221673 w 3048000"/>
+              <a:gd name="connsiteY1" fmla="*/ 0 h 203200"/>
+              <a:gd name="connsiteX2" fmla="*/ 3048000 w 3048000"/>
+              <a:gd name="connsiteY2" fmla="*/ 0 h 203200"/>
+            </a:gdLst>
+            <a:ahLst/>
+            <a:cxnLst>
+              <a:cxn ang="0">
+                <a:pos x="connsiteX0" y="connsiteY0"/>
+              </a:cxn>
+              <a:cxn ang="0">
+                <a:pos x="connsiteX1" y="connsiteY1"/>
+              </a:cxn>
+              <a:cxn ang="0">
+                <a:pos x="connsiteX2" y="connsiteY2"/>
+              </a:cxn>
+            </a:cxnLst>
+            <a:rect l="l" t="t" r="r" b="b"/>
+            <a:pathLst>
+              <a:path w="3048000" h="203200">
+                <a:moveTo>
+                  <a:pt x="0" y="203200"/>
+                </a:moveTo>
+                <a:lnTo>
+                  <a:pt x="221673" y="0"/>
+                </a:lnTo>
+                <a:lnTo>
+                  <a:pt x="3048000" y="0"/>
+                </a:lnTo>
+              </a:path>
+            </a:pathLst>
+          </a:custGeom>
+          <a:noFill/>
+          <a:ln w="19050">
+            <a:solidFill>
+              <a:schemeClr val="accent3"/>
+            </a:solidFill>
+            <a:prstDash val="sysDot"/>
+            <a:headEnd type="none" w="med" len="med"/>
+            <a:tailEnd type="arrow" w="med" len="med"/>
+          </a:ln>
+          <a:effectLst/>
+        </p:spPr>
+        <p:style>
+          <a:lnRef idx="1">
+            <a:schemeClr val="accent2"/>
+          </a:lnRef>
+          <a:fillRef idx="2">
+            <a:schemeClr val="accent2"/>
+          </a:fillRef>
+          <a:effectRef idx="1">
+            <a:schemeClr val="accent2"/>
+          </a:effectRef>
+          <a:fontRef idx="minor">
+            <a:schemeClr val="dk1"/>
+          </a:fontRef>
+        </p:style>
+        <p:txBody>
+          <a:bodyPr rtlCol="0" anchor="ctr"/>
+          <a:lstStyle/>
+          <a:p>
+            <a:pPr algn="ctr"/>
+            <a:endParaRPr lang="en-SG"/>
+          </a:p>
+        </p:txBody>
+      </p:sp>
+      <p:sp>
+        <p:nvSpPr>
+          <p:cNvPr id="61" name="Rectangle 11">
+            <a:extLst>
+              <a:ext uri="{FF2B5EF4-FFF2-40B4-BE49-F238E27FC236}">
+                <a16:creationId xmlns:a16="http://schemas.microsoft.com/office/drawing/2014/main" id="{A512C03B-9F98-4250-A3CD-545FB687961D}"/>
+              </a:ext>
+            </a:extLst>
+          </p:cNvPr>
+          <p:cNvSpPr/>
+          <p:nvPr/>
+        </p:nvSpPr>
+        <p:spPr>
+          <a:xfrm>
+            <a:off x="2584106" y="3437489"/>
+            <a:ext cx="1093635" cy="236841"/>
+          </a:xfrm>
+          <a:prstGeom prst="rect">
+            <a:avLst/>
+          </a:prstGeom>
+          <a:ln w="19050">
+            <a:solidFill>
+              <a:schemeClr val="accent3"/>
+            </a:solidFill>
+          </a:ln>
+          <a:effectLst/>
+        </p:spPr>
+        <p:style>
+          <a:lnRef idx="1">
+            <a:schemeClr val="accent3"/>
+          </a:lnRef>
+          <a:fillRef idx="2">
+            <a:schemeClr val="accent3"/>
+          </a:fillRef>
+          <a:effectRef idx="1">
+            <a:schemeClr val="accent3"/>
+          </a:effectRef>
+          <a:fontRef idx="minor">
+            <a:schemeClr val="dk1"/>
+          </a:fontRef>
+        </p:style>
+        <p:txBody>
+          <a:bodyPr rtlCol="0" anchor="ctr"/>
+          <a:lstStyle/>
+          <a:p>
+            <a:pPr algn="ctr"/>
+            <a:r>
+              <a:rPr lang="en-US" sz="1050" b="1" dirty="0" err="1">
+                <a:solidFill>
+                  <a:schemeClr val="accent3">
+                    <a:lumMod val="75000"/>
+                  </a:schemeClr>
+                </a:solidFill>
+              </a:rPr>
+              <a:t>TaskListPanel</a:t>
+            </a:r>
+            <a:endParaRPr lang="en-SG" sz="1050" b="1" dirty="0">
+              <a:solidFill>
+                <a:schemeClr val="accent3">
+                  <a:lumMod val="75000"/>
+                </a:schemeClr>
+              </a:solidFill>
+            </a:endParaRPr>
+          </a:p>
+        </p:txBody>
+      </p:sp>
+      <p:sp>
+        <p:nvSpPr>
+          <p:cNvPr id="67" name="Rectangle 11">
+            <a:extLst>
+              <a:ext uri="{FF2B5EF4-FFF2-40B4-BE49-F238E27FC236}">
+                <a16:creationId xmlns:a16="http://schemas.microsoft.com/office/drawing/2014/main" id="{14BB659F-76AD-45B9-B7BF-268A87CA8C32}"/>
+              </a:ext>
+            </a:extLst>
+          </p:cNvPr>
+          <p:cNvSpPr/>
+          <p:nvPr/>
+        </p:nvSpPr>
+        <p:spPr>
+          <a:xfrm>
+            <a:off x="3900815" y="3696829"/>
+            <a:ext cx="1040906" cy="236841"/>
+          </a:xfrm>
+          <a:prstGeom prst="rect">
+            <a:avLst/>
+          </a:prstGeom>
+          <a:ln w="19050">
+            <a:solidFill>
+              <a:schemeClr val="accent3"/>
+            </a:solidFill>
+          </a:ln>
+          <a:effectLst/>
+        </p:spPr>
+        <p:style>
+          <a:lnRef idx="1">
+            <a:schemeClr val="accent3"/>
+          </a:lnRef>
+          <a:fillRef idx="2">
+            <a:schemeClr val="accent3"/>
+          </a:fillRef>
+          <a:effectRef idx="1">
+            <a:schemeClr val="accent3"/>
+          </a:effectRef>
+          <a:fontRef idx="minor">
+            <a:schemeClr val="dk1"/>
+          </a:fontRef>
+        </p:style>
+        <p:txBody>
+          <a:bodyPr rtlCol="0" anchor="ctr"/>
+          <a:lstStyle/>
+          <a:p>
+            <a:pPr algn="ctr"/>
+            <a:r>
+              <a:rPr lang="en-US" sz="1050" b="1" dirty="0" err="1">
+                <a:solidFill>
+                  <a:schemeClr val="accent3">
+                    <a:lumMod val="75000"/>
+                  </a:schemeClr>
+                </a:solidFill>
+              </a:rPr>
+              <a:t>TaskCard</a:t>
+            </a:r>
+            <a:endParaRPr lang="en-SG" sz="1050" b="1" dirty="0">
+              <a:solidFill>
+                <a:schemeClr val="accent3">
+                  <a:lumMod val="75000"/>
+                </a:schemeClr>
+              </a:solidFill>
+            </a:endParaRPr>
+          </a:p>
+        </p:txBody>
+      </p:sp>
+      <p:sp>
+        <p:nvSpPr>
+          <p:cNvPr id="68" name="Freeform 117">
+            <a:extLst>
+              <a:ext uri="{FF2B5EF4-FFF2-40B4-BE49-F238E27FC236}">
+                <a16:creationId xmlns:a16="http://schemas.microsoft.com/office/drawing/2014/main" id="{9E44E275-2671-4B11-9596-B6C8BDDDFAEF}"/>
+              </a:ext>
+            </a:extLst>
+          </p:cNvPr>
+          <p:cNvSpPr/>
+          <p:nvPr/>
+        </p:nvSpPr>
+        <p:spPr>
+          <a:xfrm flipV="1">
+            <a:off x="4170565" y="3947160"/>
+            <a:ext cx="2575889" cy="45719"/>
+          </a:xfrm>
+          <a:custGeom>
+            <a:avLst/>
+            <a:gdLst>
+              <a:gd name="connsiteX0" fmla="*/ 0 w 3048000"/>
+              <a:gd name="connsiteY0" fmla="*/ 203200 h 203200"/>
+              <a:gd name="connsiteX1" fmla="*/ 221673 w 3048000"/>
+              <a:gd name="connsiteY1" fmla="*/ 0 h 203200"/>
+              <a:gd name="connsiteX2" fmla="*/ 3048000 w 3048000"/>
+              <a:gd name="connsiteY2" fmla="*/ 0 h 203200"/>
+            </a:gdLst>
+            <a:ahLst/>
+            <a:cxnLst>
+              <a:cxn ang="0">
+                <a:pos x="connsiteX0" y="connsiteY0"/>
+              </a:cxn>
+              <a:cxn ang="0">
+                <a:pos x="connsiteX1" y="connsiteY1"/>
+              </a:cxn>
+              <a:cxn ang="0">
+                <a:pos x="connsiteX2" y="connsiteY2"/>
+              </a:cxn>
+            </a:cxnLst>
+            <a:rect l="l" t="t" r="r" b="b"/>
+            <a:pathLst>
+              <a:path w="3048000" h="203200">
+                <a:moveTo>
+                  <a:pt x="0" y="203200"/>
+                </a:moveTo>
+                <a:lnTo>
+                  <a:pt x="221673" y="0"/>
+                </a:lnTo>
+                <a:lnTo>
+                  <a:pt x="3048000" y="0"/>
+                </a:lnTo>
+              </a:path>
+            </a:pathLst>
+          </a:custGeom>
+          <a:noFill/>
+          <a:ln w="19050">
+            <a:solidFill>
+              <a:schemeClr val="accent3"/>
+            </a:solidFill>
+            <a:prstDash val="sysDot"/>
+            <a:headEnd type="none" w="med" len="med"/>
+            <a:tailEnd type="arrow" w="med" len="med"/>
+          </a:ln>
+          <a:effectLst/>
+        </p:spPr>
+        <p:style>
+          <a:lnRef idx="1">
+            <a:schemeClr val="accent2"/>
+          </a:lnRef>
+          <a:fillRef idx="2">
+            <a:schemeClr val="accent2"/>
+          </a:fillRef>
+          <a:effectRef idx="1">
+            <a:schemeClr val="accent2"/>
+          </a:effectRef>
+          <a:fontRef idx="minor">
+            <a:schemeClr val="dk1"/>
+          </a:fontRef>
+        </p:style>
+        <p:txBody>
+          <a:bodyPr rtlCol="0" anchor="ctr"/>
+          <a:lstStyle/>
+          <a:p>
+            <a:pPr algn="ctr"/>
+            <a:endParaRPr lang="en-SG"/>
+          </a:p>
+        </p:txBody>
+      </p:sp>
+      <p:cxnSp>
+        <p:nvCxnSpPr>
+          <p:cNvPr id="70" name="Elbow Connector 63">
+            <a:extLst>
+              <a:ext uri="{FF2B5EF4-FFF2-40B4-BE49-F238E27FC236}">
+                <a16:creationId xmlns:a16="http://schemas.microsoft.com/office/drawing/2014/main" id="{9EF91937-3DD3-4756-8641-DF4D16AF3EF8}"/>
+              </a:ext>
+            </a:extLst>
+          </p:cNvPr>
+          <p:cNvCxnSpPr>
+            <a:cxnSpLocks/>
+            <a:stCxn id="16" idx="3"/>
+            <a:endCxn id="67" idx="3"/>
+          </p:cNvCxnSpPr>
+          <p:nvPr/>
+        </p:nvCxnSpPr>
+        <p:spPr>
+          <a:xfrm rot="5400000">
+            <a:off x="4052988" y="2336534"/>
+            <a:ext cx="2367450" cy="589983"/>
+          </a:xfrm>
+          <a:prstGeom prst="bentConnector2">
+            <a:avLst/>
+          </a:prstGeom>
+          <a:ln w="6350">
+            <a:solidFill>
+              <a:schemeClr val="accent3"/>
+            </a:solidFill>
+            <a:headEnd type="none" w="med" len="med"/>
+            <a:tailEnd type="none" w="med" len="med"/>
+          </a:ln>
+          <a:effectLst/>
+        </p:spPr>
+        <p:style>
+          <a:lnRef idx="1">
+            <a:schemeClr val="accent2"/>
+          </a:lnRef>
+          <a:fillRef idx="2">
+            <a:schemeClr val="accent2"/>
+          </a:fillRef>
+          <a:effectRef idx="1">
+            <a:schemeClr val="accent2"/>
+          </a:effectRef>
+          <a:fontRef idx="minor">
+            <a:schemeClr val="dk1"/>
+          </a:fontRef>
+        </p:style>
+      </p:cxnSp>
+      <p:cxnSp>
+        <p:nvCxnSpPr>
+          <p:cNvPr id="75" name="Elbow Connector 63">
+            <a:extLst>
+              <a:ext uri="{FF2B5EF4-FFF2-40B4-BE49-F238E27FC236}">
+                <a16:creationId xmlns:a16="http://schemas.microsoft.com/office/drawing/2014/main" id="{924D103F-872A-496C-8A70-97DA6DC5784F}"/>
+              </a:ext>
+            </a:extLst>
+          </p:cNvPr>
+          <p:cNvCxnSpPr>
+            <a:cxnSpLocks/>
+            <a:stCxn id="39" idx="2"/>
+            <a:endCxn id="46" idx="1"/>
+          </p:cNvCxnSpPr>
+          <p:nvPr/>
+        </p:nvCxnSpPr>
+        <p:spPr>
+          <a:xfrm rot="16200000" flipH="1">
+            <a:off x="1336931" y="3110755"/>
+            <a:ext cx="2343526" cy="181666"/>
+          </a:xfrm>
+          <a:prstGeom prst="bentConnector2">
+            <a:avLst/>
+          </a:prstGeom>
+          <a:ln w="19050">
+            <a:solidFill>
+              <a:schemeClr val="accent3"/>
+            </a:solidFill>
+            <a:headEnd type="none" w="med" len="med"/>
+            <a:tailEnd type="arrow" w="med" len="med"/>
+          </a:ln>
+          <a:effectLst/>
+        </p:spPr>
+        <p:style>
+          <a:lnRef idx="1">
+            <a:schemeClr val="accent2"/>
+          </a:lnRef>
+          <a:fillRef idx="2">
+            <a:schemeClr val="accent2"/>
+          </a:fillRef>
+          <a:effectRef idx="1">
+            <a:schemeClr val="accent2"/>
+          </a:effectRef>
+          <a:fontRef idx="minor">
+            <a:schemeClr val="dk1"/>
+          </a:fontRef>
+        </p:style>
+      </p:cxnSp>
+      <p:cxnSp>
+        <p:nvCxnSpPr>
+          <p:cNvPr id="76" name="Elbow Connector 63">
+            <a:extLst>
+              <a:ext uri="{FF2B5EF4-FFF2-40B4-BE49-F238E27FC236}">
+                <a16:creationId xmlns:a16="http://schemas.microsoft.com/office/drawing/2014/main" id="{0B9BFA65-F687-4B61-BC79-C68E4EC82727}"/>
+              </a:ext>
+            </a:extLst>
+          </p:cNvPr>
+          <p:cNvCxnSpPr>
+            <a:cxnSpLocks/>
+            <a:stCxn id="39" idx="2"/>
+            <a:endCxn id="61" idx="1"/>
+          </p:cNvCxnSpPr>
+          <p:nvPr/>
+        </p:nvCxnSpPr>
+        <p:spPr>
+          <a:xfrm rot="16200000" flipH="1">
+            <a:off x="1737941" y="2709744"/>
+            <a:ext cx="1526085" cy="166245"/>
+          </a:xfrm>
+          <a:prstGeom prst="bentConnector2">
+            <a:avLst/>
+          </a:prstGeom>
+          <a:ln w="19050">
+            <a:solidFill>
+              <a:schemeClr val="accent3"/>
+            </a:solidFill>
+            <a:headEnd type="none" w="med" len="med"/>
+            <a:tailEnd type="arrow" w="med" len="med"/>
+          </a:ln>
+          <a:effectLst/>
+        </p:spPr>
+        <p:style>
+          <a:lnRef idx="1">
+            <a:schemeClr val="accent2"/>
+          </a:lnRef>
+          <a:fillRef idx="2">
+            <a:schemeClr val="accent2"/>
+          </a:fillRef>
+          <a:effectRef idx="1">
+            <a:schemeClr val="accent2"/>
+          </a:effectRef>
+          <a:fontRef idx="minor">
+            <a:schemeClr val="dk1"/>
+          </a:fontRef>
+        </p:style>
+      </p:cxnSp>
+      <p:cxnSp>
+        <p:nvCxnSpPr>
+          <p:cNvPr id="81" name="Elbow Connector 63">
+            <a:extLst>
+              <a:ext uri="{FF2B5EF4-FFF2-40B4-BE49-F238E27FC236}">
+                <a16:creationId xmlns:a16="http://schemas.microsoft.com/office/drawing/2014/main" id="{800E4332-F72B-4ECB-91B1-5DA6B0DB86FC}"/>
+              </a:ext>
+            </a:extLst>
+          </p:cNvPr>
+          <p:cNvCxnSpPr>
+            <a:cxnSpLocks/>
+            <a:stCxn id="39" idx="2"/>
+            <a:endCxn id="48" idx="1"/>
+          </p:cNvCxnSpPr>
+          <p:nvPr/>
+        </p:nvCxnSpPr>
+        <p:spPr>
+          <a:xfrm rot="16200000" flipH="1">
+            <a:off x="1183891" y="3263795"/>
+            <a:ext cx="2655039" cy="187098"/>
+          </a:xfrm>
+          <a:prstGeom prst="bentConnector2">
+            <a:avLst/>
+          </a:prstGeom>
+          <a:ln w="19050">
+            <a:solidFill>
+              <a:schemeClr val="accent3"/>
+            </a:solidFill>
+            <a:headEnd type="none" w="med" len="med"/>
+            <a:tailEnd type="arrow" w="med" len="med"/>
+          </a:ln>
+          <a:effectLst/>
+        </p:spPr>
+        <p:style>
+          <a:lnRef idx="1">
+            <a:schemeClr val="accent2"/>
+          </a:lnRef>
+          <a:fillRef idx="2">
+            <a:schemeClr val="accent2"/>
+          </a:fillRef>
+          <a:effectRef idx="1">
+            <a:schemeClr val="accent2"/>
+          </a:effectRef>
+          <a:fontRef idx="minor">
+            <a:schemeClr val="dk1"/>
+          </a:fontRef>
+        </p:style>
+      </p:cxnSp>
+      <p:cxnSp>
+        <p:nvCxnSpPr>
+          <p:cNvPr id="84" name="Elbow Connector 63">
+            <a:extLst>
+              <a:ext uri="{FF2B5EF4-FFF2-40B4-BE49-F238E27FC236}">
+                <a16:creationId xmlns:a16="http://schemas.microsoft.com/office/drawing/2014/main" id="{00B98840-562E-428B-BD6E-3FE993D50340}"/>
+              </a:ext>
+            </a:extLst>
+          </p:cNvPr>
+          <p:cNvCxnSpPr>
+            <a:cxnSpLocks/>
+            <a:stCxn id="61" idx="2"/>
+            <a:endCxn id="67" idx="1"/>
+          </p:cNvCxnSpPr>
+          <p:nvPr/>
+        </p:nvCxnSpPr>
+        <p:spPr>
+          <a:xfrm rot="16200000" flipH="1">
+            <a:off x="3445409" y="3359844"/>
+            <a:ext cx="140920" cy="769891"/>
+          </a:xfrm>
+          <a:prstGeom prst="bentConnector2">
+            <a:avLst/>
+          </a:prstGeom>
+          <a:ln w="19050">
+            <a:solidFill>
+              <a:schemeClr val="accent3"/>
+            </a:solidFill>
+            <a:headEnd type="none" w="med" len="med"/>
+            <a:tailEnd type="arrow" w="med" len="med"/>
+          </a:ln>
+          <a:effectLst/>
+        </p:spPr>
+        <p:style>
+          <a:lnRef idx="1">
+            <a:schemeClr val="accent2"/>
+          </a:lnRef>
+          <a:fillRef idx="2">
+            <a:schemeClr val="accent2"/>
+          </a:fillRef>
+          <a:effectRef idx="1">
+            <a:schemeClr val="accent2"/>
+          </a:effectRef>
+          <a:fontRef idx="minor">
+            <a:schemeClr val="dk1"/>
           </a:fontRef>
         </p:style>
       </p:cxnSp>
